--- a/HACS/instruction/instruction.pptx
+++ b/HACS/instruction/instruction.pptx
@@ -206,7 +206,7 @@
           <a:p>
             <a:fld id="{5E0BD2FF-DB0B-4157-9238-BCF205BF74EE}" type="datetimeFigureOut">
               <a:rPr lang="zh-CN" altLang="en-US" smtClean="0"/>
-              <a:t>2021/1/24</a:t>
+              <a:t>2021/9/22</a:t>
             </a:fld>
             <a:endParaRPr lang="zh-CN" altLang="en-US"/>
           </a:p>
@@ -1056,7 +1056,7 @@
           <a:p>
             <a:fld id="{C56612D5-36F0-430E-8993-22E7E4C9B704}" type="datetimeFigureOut">
               <a:rPr lang="zh-CN" altLang="en-US" smtClean="0"/>
-              <a:t>2021/1/24</a:t>
+              <a:t>2021/9/22</a:t>
             </a:fld>
             <a:endParaRPr lang="zh-CN" altLang="en-US"/>
           </a:p>
@@ -1226,7 +1226,7 @@
           <a:p>
             <a:fld id="{C56612D5-36F0-430E-8993-22E7E4C9B704}" type="datetimeFigureOut">
               <a:rPr lang="zh-CN" altLang="en-US" smtClean="0"/>
-              <a:t>2021/1/24</a:t>
+              <a:t>2021/9/22</a:t>
             </a:fld>
             <a:endParaRPr lang="zh-CN" altLang="en-US"/>
           </a:p>
@@ -1406,7 +1406,7 @@
           <a:p>
             <a:fld id="{C56612D5-36F0-430E-8993-22E7E4C9B704}" type="datetimeFigureOut">
               <a:rPr lang="zh-CN" altLang="en-US" smtClean="0"/>
-              <a:t>2021/1/24</a:t>
+              <a:t>2021/9/22</a:t>
             </a:fld>
             <a:endParaRPr lang="zh-CN" altLang="en-US"/>
           </a:p>
@@ -1576,7 +1576,7 @@
           <a:p>
             <a:fld id="{C56612D5-36F0-430E-8993-22E7E4C9B704}" type="datetimeFigureOut">
               <a:rPr lang="zh-CN" altLang="en-US" smtClean="0"/>
-              <a:t>2021/1/24</a:t>
+              <a:t>2021/9/22</a:t>
             </a:fld>
             <a:endParaRPr lang="zh-CN" altLang="en-US"/>
           </a:p>
@@ -1820,7 +1820,7 @@
           <a:p>
             <a:fld id="{C56612D5-36F0-430E-8993-22E7E4C9B704}" type="datetimeFigureOut">
               <a:rPr lang="zh-CN" altLang="en-US" smtClean="0"/>
-              <a:t>2021/1/24</a:t>
+              <a:t>2021/9/22</a:t>
             </a:fld>
             <a:endParaRPr lang="zh-CN" altLang="en-US"/>
           </a:p>
@@ -2052,7 +2052,7 @@
           <a:p>
             <a:fld id="{C56612D5-36F0-430E-8993-22E7E4C9B704}" type="datetimeFigureOut">
               <a:rPr lang="zh-CN" altLang="en-US" smtClean="0"/>
-              <a:t>2021/1/24</a:t>
+              <a:t>2021/9/22</a:t>
             </a:fld>
             <a:endParaRPr lang="zh-CN" altLang="en-US"/>
           </a:p>
@@ -2419,7 +2419,7 @@
           <a:p>
             <a:fld id="{C56612D5-36F0-430E-8993-22E7E4C9B704}" type="datetimeFigureOut">
               <a:rPr lang="zh-CN" altLang="en-US" smtClean="0"/>
-              <a:t>2021/1/24</a:t>
+              <a:t>2021/9/22</a:t>
             </a:fld>
             <a:endParaRPr lang="zh-CN" altLang="en-US"/>
           </a:p>
@@ -2537,7 +2537,7 @@
           <a:p>
             <a:fld id="{C56612D5-36F0-430E-8993-22E7E4C9B704}" type="datetimeFigureOut">
               <a:rPr lang="zh-CN" altLang="en-US" smtClean="0"/>
-              <a:t>2021/1/24</a:t>
+              <a:t>2021/9/22</a:t>
             </a:fld>
             <a:endParaRPr lang="zh-CN" altLang="en-US"/>
           </a:p>
@@ -2632,7 +2632,7 @@
           <a:p>
             <a:fld id="{C56612D5-36F0-430E-8993-22E7E4C9B704}" type="datetimeFigureOut">
               <a:rPr lang="zh-CN" altLang="en-US" smtClean="0"/>
-              <a:t>2021/1/24</a:t>
+              <a:t>2021/9/22</a:t>
             </a:fld>
             <a:endParaRPr lang="zh-CN" altLang="en-US"/>
           </a:p>
@@ -2909,7 +2909,7 @@
           <a:p>
             <a:fld id="{C56612D5-36F0-430E-8993-22E7E4C9B704}" type="datetimeFigureOut">
               <a:rPr lang="zh-CN" altLang="en-US" smtClean="0"/>
-              <a:t>2021/1/24</a:t>
+              <a:t>2021/9/22</a:t>
             </a:fld>
             <a:endParaRPr lang="zh-CN" altLang="en-US"/>
           </a:p>
@@ -3166,7 +3166,7 @@
           <a:p>
             <a:fld id="{C56612D5-36F0-430E-8993-22E7E4C9B704}" type="datetimeFigureOut">
               <a:rPr lang="zh-CN" altLang="en-US" smtClean="0"/>
-              <a:t>2021/1/24</a:t>
+              <a:t>2021/9/22</a:t>
             </a:fld>
             <a:endParaRPr lang="zh-CN" altLang="en-US"/>
           </a:p>
@@ -3231,9 +3231,12 @@
 <p:sldMaster xmlns:a="http://schemas.openxmlformats.org/drawingml/2006/main" xmlns:r="http://schemas.openxmlformats.org/officeDocument/2006/relationships" xmlns:p="http://schemas.openxmlformats.org/presentationml/2006/main">
   <p:cSld>
     <p:bg>
-      <p:bgRef idx="1001">
-        <a:schemeClr val="bg1"/>
-      </p:bgRef>
+      <p:bgPr>
+        <a:solidFill>
+          <a:srgbClr val="7C7468"/>
+        </a:solidFill>
+        <a:effectLst/>
+      </p:bgPr>
     </p:bg>
     <p:spTree>
       <p:nvGrpSpPr>
@@ -3379,7 +3382,7 @@
           <a:p>
             <a:fld id="{C56612D5-36F0-430E-8993-22E7E4C9B704}" type="datetimeFigureOut">
               <a:rPr lang="zh-CN" altLang="en-US" smtClean="0"/>
-              <a:t>2021/1/24</a:t>
+              <a:t>2021/9/22</a:t>
             </a:fld>
             <a:endParaRPr lang="zh-CN" altLang="en-US"/>
           </a:p>
@@ -3770,93 +3773,10 @@
 <file path=ppt/slides/slide1.xml><?xml version="1.0" encoding="utf-8"?>
 <p:sld xmlns:a="http://schemas.openxmlformats.org/drawingml/2006/main" xmlns:r="http://schemas.openxmlformats.org/officeDocument/2006/relationships" xmlns:p="http://schemas.openxmlformats.org/presentationml/2006/main">
   <p:cSld>
-    <p:spTree>
-      <p:nvGrpSpPr>
-        <p:cNvPr id="1" name=""/>
-        <p:cNvGrpSpPr/>
-        <p:nvPr/>
-      </p:nvGrpSpPr>
-      <p:grpSpPr>
-        <a:xfrm>
-          <a:off x="0" y="0"/>
-          <a:ext cx="0" cy="0"/>
-          <a:chOff x="0" y="0"/>
-          <a:chExt cx="0" cy="0"/>
-        </a:xfrm>
-      </p:grpSpPr>
-      <p:sp>
-        <p:nvSpPr>
-          <p:cNvPr id="2" name="标题 1"/>
-          <p:cNvSpPr>
-            <a:spLocks noGrp="1"/>
-          </p:cNvSpPr>
-          <p:nvPr>
-            <p:ph type="ctrTitle"/>
-          </p:nvPr>
-        </p:nvSpPr>
-        <p:spPr/>
-        <p:txBody>
-          <a:bodyPr/>
-          <a:lstStyle/>
-          <a:p>
-            <a:r>
-              <a:rPr lang="en-US" altLang="zh-CN" dirty="0">
-                <a:latin typeface="Times New Roman" panose="02020603050405020304" pitchFamily="18" charset="0"/>
-                <a:ea typeface="黑体" panose="02010609060101010101" pitchFamily="49" charset="-122"/>
-                <a:cs typeface="Times New Roman" panose="02020603050405020304" pitchFamily="18" charset="0"/>
-              </a:rPr>
-              <a:t>action </a:t>
-            </a:r>
-            <a:r>
-              <a:rPr lang="zh-CN" altLang="en-US" dirty="0">
-                <a:latin typeface="Times New Roman" panose="02020603050405020304" pitchFamily="18" charset="0"/>
-                <a:ea typeface="黑体" panose="02010609060101010101" pitchFamily="49" charset="-122"/>
-                <a:cs typeface="Times New Roman" panose="02020603050405020304" pitchFamily="18" charset="0"/>
-              </a:rPr>
-              <a:t>实验指导语</a:t>
-            </a:r>
-          </a:p>
-        </p:txBody>
-      </p:sp>
-      <p:sp>
-        <p:nvSpPr>
-          <p:cNvPr id="3" name="副标题 2"/>
-          <p:cNvSpPr>
-            <a:spLocks noGrp="1"/>
-          </p:cNvSpPr>
-          <p:nvPr>
-            <p:ph type="subTitle" idx="1"/>
-          </p:nvPr>
-        </p:nvSpPr>
-        <p:spPr/>
-        <p:txBody>
-          <a:bodyPr/>
-          <a:lstStyle/>
-          <a:p>
-            <a:endParaRPr lang="zh-CN" altLang="en-US"/>
-          </a:p>
-        </p:txBody>
-      </p:sp>
-    </p:spTree>
-    <p:extLst>
-      <p:ext uri="{BB962C8B-B14F-4D97-AF65-F5344CB8AC3E}">
-        <p14:creationId xmlns:p14="http://schemas.microsoft.com/office/powerpoint/2010/main" val="3950629555"/>
-      </p:ext>
-    </p:extLst>
-  </p:cSld>
-  <p:clrMapOvr>
-    <a:masterClrMapping/>
-  </p:clrMapOvr>
-</p:sld>
-</file>
-
-<file path=ppt/slides/slide10.xml><?xml version="1.0" encoding="utf-8"?>
-<p:sld xmlns:a="http://schemas.openxmlformats.org/drawingml/2006/main" xmlns:r="http://schemas.openxmlformats.org/officeDocument/2006/relationships" xmlns:p="http://schemas.openxmlformats.org/presentationml/2006/main">
-  <p:cSld>
     <p:bg>
       <p:bgPr>
         <a:solidFill>
-          <a:srgbClr val="808080"/>
+          <a:srgbClr val="FFFFFF"/>
         </a:solidFill>
         <a:effectLst/>
       </p:bgPr>
@@ -3877,6 +3797,89 @@
       </p:grpSpPr>
       <p:sp>
         <p:nvSpPr>
+          <p:cNvPr id="2" name="标题 1"/>
+          <p:cNvSpPr>
+            <a:spLocks noGrp="1"/>
+          </p:cNvSpPr>
+          <p:nvPr>
+            <p:ph type="ctrTitle"/>
+          </p:nvPr>
+        </p:nvSpPr>
+        <p:spPr/>
+        <p:txBody>
+          <a:bodyPr/>
+          <a:lstStyle/>
+          <a:p>
+            <a:r>
+              <a:rPr lang="en-US" altLang="zh-CN" dirty="0">
+                <a:latin typeface="Times New Roman" panose="02020603050405020304" pitchFamily="18" charset="0"/>
+                <a:ea typeface="黑体" panose="02010609060101010101" pitchFamily="49" charset="-122"/>
+                <a:cs typeface="Times New Roman" panose="02020603050405020304" pitchFamily="18" charset="0"/>
+              </a:rPr>
+              <a:t>action </a:t>
+            </a:r>
+            <a:r>
+              <a:rPr lang="zh-CN" altLang="en-US" dirty="0">
+                <a:latin typeface="Times New Roman" panose="02020603050405020304" pitchFamily="18" charset="0"/>
+                <a:ea typeface="黑体" panose="02010609060101010101" pitchFamily="49" charset="-122"/>
+                <a:cs typeface="Times New Roman" panose="02020603050405020304" pitchFamily="18" charset="0"/>
+              </a:rPr>
+              <a:t>实验指导语</a:t>
+            </a:r>
+          </a:p>
+        </p:txBody>
+      </p:sp>
+      <p:sp>
+        <p:nvSpPr>
+          <p:cNvPr id="3" name="副标题 2"/>
+          <p:cNvSpPr>
+            <a:spLocks noGrp="1"/>
+          </p:cNvSpPr>
+          <p:nvPr>
+            <p:ph type="subTitle" idx="1"/>
+          </p:nvPr>
+        </p:nvSpPr>
+        <p:spPr/>
+        <p:txBody>
+          <a:bodyPr/>
+          <a:lstStyle/>
+          <a:p>
+            <a:endParaRPr lang="zh-CN" altLang="en-US"/>
+          </a:p>
+        </p:txBody>
+      </p:sp>
+    </p:spTree>
+    <p:extLst>
+      <p:ext uri="{BB962C8B-B14F-4D97-AF65-F5344CB8AC3E}">
+        <p14:creationId xmlns:p14="http://schemas.microsoft.com/office/powerpoint/2010/main" val="3950629555"/>
+      </p:ext>
+    </p:extLst>
+  </p:cSld>
+  <p:clrMapOvr>
+    <a:masterClrMapping/>
+  </p:clrMapOvr>
+</p:sld>
+</file>
+
+<file path=ppt/slides/slide10.xml><?xml version="1.0" encoding="utf-8"?>
+<p:sld xmlns:a="http://schemas.openxmlformats.org/drawingml/2006/main" xmlns:r="http://schemas.openxmlformats.org/officeDocument/2006/relationships" xmlns:p="http://schemas.openxmlformats.org/presentationml/2006/main">
+  <p:cSld>
+    <p:spTree>
+      <p:nvGrpSpPr>
+        <p:cNvPr id="1" name=""/>
+        <p:cNvGrpSpPr/>
+        <p:nvPr/>
+      </p:nvGrpSpPr>
+      <p:grpSpPr>
+        <a:xfrm>
+          <a:off x="0" y="0"/>
+          <a:ext cx="0" cy="0"/>
+          <a:chOff x="0" y="0"/>
+          <a:chExt cx="0" cy="0"/>
+        </a:xfrm>
+      </p:grpSpPr>
+      <p:sp>
+        <p:nvSpPr>
           <p:cNvPr id="5" name="标题 1">
             <a:extLst>
               <a:ext uri="{FF2B5EF4-FFF2-40B4-BE49-F238E27FC236}">
@@ -3989,227 +3992,10 @@
 <file path=ppt/slides/slide2.xml><?xml version="1.0" encoding="utf-8"?>
 <p:sld xmlns:a="http://schemas.openxmlformats.org/drawingml/2006/main" xmlns:r="http://schemas.openxmlformats.org/officeDocument/2006/relationships" xmlns:p="http://schemas.openxmlformats.org/presentationml/2006/main">
   <p:cSld>
-    <p:spTree>
-      <p:nvGrpSpPr>
-        <p:cNvPr id="1" name=""/>
-        <p:cNvGrpSpPr/>
-        <p:nvPr/>
-      </p:nvGrpSpPr>
-      <p:grpSpPr>
-        <a:xfrm>
-          <a:off x="0" y="0"/>
-          <a:ext cx="0" cy="0"/>
-          <a:chOff x="0" y="0"/>
-          <a:chExt cx="0" cy="0"/>
-        </a:xfrm>
-      </p:grpSpPr>
-      <p:sp>
-        <p:nvSpPr>
-          <p:cNvPr id="2" name="标题 1"/>
-          <p:cNvSpPr>
-            <a:spLocks noGrp="1"/>
-          </p:cNvSpPr>
-          <p:nvPr>
-            <p:ph type="title"/>
-          </p:nvPr>
-        </p:nvSpPr>
-        <p:spPr/>
-        <p:txBody>
-          <a:bodyPr/>
-          <a:lstStyle/>
-          <a:p>
-            <a:pPr algn="ctr"/>
-            <a:r>
-              <a:rPr lang="en-US" altLang="zh-CN" dirty="0">
-                <a:latin typeface="Times New Roman" panose="02020603050405020304" pitchFamily="18" charset="0"/>
-                <a:ea typeface="黑体" panose="02010609060101010101" pitchFamily="49" charset="-122"/>
-                <a:cs typeface="Times New Roman" panose="02020603050405020304" pitchFamily="18" charset="0"/>
-              </a:rPr>
-              <a:t>MRI</a:t>
-            </a:r>
-            <a:r>
-              <a:rPr lang="zh-CN" altLang="en-US" dirty="0">
-                <a:latin typeface="Times New Roman" panose="02020603050405020304" pitchFamily="18" charset="0"/>
-                <a:ea typeface="黑体" panose="02010609060101010101" pitchFamily="49" charset="-122"/>
-                <a:cs typeface="Times New Roman" panose="02020603050405020304" pitchFamily="18" charset="0"/>
-              </a:rPr>
-              <a:t>注意事项</a:t>
-            </a:r>
-          </a:p>
-        </p:txBody>
-      </p:sp>
-      <p:sp>
-        <p:nvSpPr>
-          <p:cNvPr id="3" name="内容占位符 2"/>
-          <p:cNvSpPr>
-            <a:spLocks noGrp="1"/>
-          </p:cNvSpPr>
-          <p:nvPr>
-            <p:ph idx="1"/>
-          </p:nvPr>
-        </p:nvSpPr>
-        <p:spPr/>
-        <p:txBody>
-          <a:bodyPr>
-            <a:normAutofit lnSpcReduction="10000"/>
-          </a:bodyPr>
-          <a:lstStyle/>
-          <a:p>
-            <a:r>
-              <a:rPr lang="zh-CN" altLang="en-US" dirty="0">
-                <a:latin typeface="Times New Roman" panose="02020603050405020304" pitchFamily="18" charset="0"/>
-                <a:ea typeface="黑体" panose="02010609060101010101" pitchFamily="49" charset="-122"/>
-                <a:cs typeface="Times New Roman" panose="02020603050405020304" pitchFamily="18" charset="0"/>
-              </a:rPr>
-              <a:t>扫描时间比较长，进去后一定调整好姿势，躺舒服。只要没开始扫描，都可以调整，别着急。一旦开始扫描就不能调整了。</a:t>
-            </a:r>
-            <a:endParaRPr lang="en-US" altLang="zh-CN" dirty="0">
-              <a:latin typeface="Times New Roman" panose="02020603050405020304" pitchFamily="18" charset="0"/>
-              <a:ea typeface="黑体" panose="02010609060101010101" pitchFamily="49" charset="-122"/>
-              <a:cs typeface="Times New Roman" panose="02020603050405020304" pitchFamily="18" charset="0"/>
-            </a:endParaRPr>
-          </a:p>
-          <a:p>
-            <a:r>
-              <a:rPr lang="zh-CN" altLang="en-US" dirty="0">
-                <a:latin typeface="Times New Roman" panose="02020603050405020304" pitchFamily="18" charset="0"/>
-                <a:ea typeface="黑体" panose="02010609060101010101" pitchFamily="49" charset="-122"/>
-                <a:cs typeface="Times New Roman" panose="02020603050405020304" pitchFamily="18" charset="0"/>
-              </a:rPr>
-              <a:t>扫描中，一定不能头动。</a:t>
-            </a:r>
-            <a:endParaRPr lang="en-US" altLang="zh-CN" dirty="0">
-              <a:latin typeface="Times New Roman" panose="02020603050405020304" pitchFamily="18" charset="0"/>
-              <a:ea typeface="黑体" panose="02010609060101010101" pitchFamily="49" charset="-122"/>
-              <a:cs typeface="Times New Roman" panose="02020603050405020304" pitchFamily="18" charset="0"/>
-            </a:endParaRPr>
-          </a:p>
-          <a:p>
-            <a:r>
-              <a:rPr lang="zh-CN" altLang="en-US" dirty="0">
-                <a:latin typeface="Times New Roman" panose="02020603050405020304" pitchFamily="18" charset="0"/>
-                <a:ea typeface="黑体" panose="02010609060101010101" pitchFamily="49" charset="-122"/>
-                <a:cs typeface="Times New Roman" panose="02020603050405020304" pitchFamily="18" charset="0"/>
-              </a:rPr>
-              <a:t>扫描中，保持注视中央圆点，不要转动扫视。</a:t>
-            </a:r>
-            <a:endParaRPr lang="en-US" altLang="zh-CN" dirty="0">
-              <a:latin typeface="Times New Roman" panose="02020603050405020304" pitchFamily="18" charset="0"/>
-              <a:ea typeface="黑体" panose="02010609060101010101" pitchFamily="49" charset="-122"/>
-              <a:cs typeface="Times New Roman" panose="02020603050405020304" pitchFamily="18" charset="0"/>
-            </a:endParaRPr>
-          </a:p>
-          <a:p>
-            <a:r>
-              <a:rPr lang="zh-CN" altLang="en-US" dirty="0">
-                <a:latin typeface="Times New Roman" panose="02020603050405020304" pitchFamily="18" charset="0"/>
-                <a:ea typeface="黑体" panose="02010609060101010101" pitchFamily="49" charset="-122"/>
-                <a:cs typeface="Times New Roman" panose="02020603050405020304" pitchFamily="18" charset="0"/>
-              </a:rPr>
-              <a:t>扫描间隙，可以稍微休息，但头和身体也不要大幅运动</a:t>
-            </a:r>
-            <a:r>
-              <a:rPr lang="en-US" altLang="zh-CN" dirty="0">
-                <a:latin typeface="Times New Roman" panose="02020603050405020304" pitchFamily="18" charset="0"/>
-                <a:ea typeface="黑体" panose="02010609060101010101" pitchFamily="49" charset="-122"/>
-                <a:cs typeface="Times New Roman" panose="02020603050405020304" pitchFamily="18" charset="0"/>
-              </a:rPr>
-              <a:t>(&lt;1</a:t>
-            </a:r>
-            <a:r>
-              <a:rPr lang="zh-CN" altLang="en-US" dirty="0">
-                <a:latin typeface="Times New Roman" panose="02020603050405020304" pitchFamily="18" charset="0"/>
-                <a:ea typeface="黑体" panose="02010609060101010101" pitchFamily="49" charset="-122"/>
-                <a:cs typeface="Times New Roman" panose="02020603050405020304" pitchFamily="18" charset="0"/>
-              </a:rPr>
-              <a:t>厘米</a:t>
-            </a:r>
-            <a:r>
-              <a:rPr lang="en-US" altLang="zh-CN" dirty="0">
-                <a:latin typeface="Times New Roman" panose="02020603050405020304" pitchFamily="18" charset="0"/>
-                <a:ea typeface="黑体" panose="02010609060101010101" pitchFamily="49" charset="-122"/>
-                <a:cs typeface="Times New Roman" panose="02020603050405020304" pitchFamily="18" charset="0"/>
-              </a:rPr>
-              <a:t>)</a:t>
-            </a:r>
-            <a:r>
-              <a:rPr lang="zh-CN" altLang="en-US" dirty="0">
-                <a:latin typeface="Times New Roman" panose="02020603050405020304" pitchFamily="18" charset="0"/>
-                <a:ea typeface="黑体" panose="02010609060101010101" pitchFamily="49" charset="-122"/>
-                <a:cs typeface="Times New Roman" panose="02020603050405020304" pitchFamily="18" charset="0"/>
-              </a:rPr>
-              <a:t>。如果状态可以就尽快开始下边实验，休息越长在里边待的时间越长。</a:t>
-            </a:r>
-            <a:endParaRPr lang="en-US" altLang="zh-CN" dirty="0">
-              <a:latin typeface="Times New Roman" panose="02020603050405020304" pitchFamily="18" charset="0"/>
-              <a:ea typeface="黑体" panose="02010609060101010101" pitchFamily="49" charset="-122"/>
-              <a:cs typeface="Times New Roman" panose="02020603050405020304" pitchFamily="18" charset="0"/>
-            </a:endParaRPr>
-          </a:p>
-          <a:p>
-            <a:r>
-              <a:rPr lang="zh-CN" altLang="en-US" dirty="0">
-                <a:latin typeface="Times New Roman" panose="02020603050405020304" pitchFamily="18" charset="0"/>
-                <a:ea typeface="黑体" panose="02010609060101010101" pitchFamily="49" charset="-122"/>
-                <a:cs typeface="Times New Roman" panose="02020603050405020304" pitchFamily="18" charset="0"/>
-              </a:rPr>
-              <a:t>保持嘴巴闭合，口水尽量在扫描间隙吞咽。</a:t>
-            </a:r>
-            <a:endParaRPr lang="en-US" altLang="zh-CN" dirty="0">
-              <a:latin typeface="Times New Roman" panose="02020603050405020304" pitchFamily="18" charset="0"/>
-              <a:ea typeface="黑体" panose="02010609060101010101" pitchFamily="49" charset="-122"/>
-              <a:cs typeface="Times New Roman" panose="02020603050405020304" pitchFamily="18" charset="0"/>
-            </a:endParaRPr>
-          </a:p>
-          <a:p>
-            <a:r>
-              <a:rPr lang="zh-CN" altLang="en-US" dirty="0">
-                <a:latin typeface="Times New Roman" panose="02020603050405020304" pitchFamily="18" charset="0"/>
-                <a:ea typeface="黑体" panose="02010609060101010101" pitchFamily="49" charset="-122"/>
-                <a:cs typeface="Times New Roman" panose="02020603050405020304" pitchFamily="18" charset="0"/>
-              </a:rPr>
-              <a:t>实在无法坚持，可以随时要求退出</a:t>
-            </a:r>
-            <a:r>
-              <a:rPr lang="zh-CN" altLang="en-US" dirty="0">
-                <a:latin typeface="黑体" panose="02010609060101010101" pitchFamily="49" charset="-122"/>
-                <a:ea typeface="黑体" panose="02010609060101010101" pitchFamily="49" charset="-122"/>
-              </a:rPr>
-              <a:t>。</a:t>
-            </a:r>
-            <a:endParaRPr lang="en-US" altLang="zh-CN" dirty="0">
-              <a:latin typeface="黑体" panose="02010609060101010101" pitchFamily="49" charset="-122"/>
-              <a:ea typeface="黑体" panose="02010609060101010101" pitchFamily="49" charset="-122"/>
-            </a:endParaRPr>
-          </a:p>
-          <a:p>
-            <a:endParaRPr lang="zh-CN" altLang="en-US" dirty="0">
-              <a:latin typeface="黑体" panose="02010609060101010101" pitchFamily="49" charset="-122"/>
-              <a:ea typeface="黑体" panose="02010609060101010101" pitchFamily="49" charset="-122"/>
-            </a:endParaRPr>
-          </a:p>
-        </p:txBody>
-      </p:sp>
-    </p:spTree>
-    <p:extLst>
-      <p:ext uri="{BB962C8B-B14F-4D97-AF65-F5344CB8AC3E}">
-        <p14:creationId xmlns:p14="http://schemas.microsoft.com/office/powerpoint/2010/main" val="2554170815"/>
-      </p:ext>
-    </p:extLst>
-  </p:cSld>
-  <p:clrMapOvr>
-    <a:masterClrMapping/>
-  </p:clrMapOvr>
-</p:sld>
-</file>
-
-<file path=ppt/slides/slide3.xml><?xml version="1.0" encoding="utf-8"?>
-<p:sld xmlns:a="http://schemas.openxmlformats.org/drawingml/2006/main" xmlns:r="http://schemas.openxmlformats.org/officeDocument/2006/relationships" xmlns:p="http://schemas.openxmlformats.org/presentationml/2006/main">
-  <p:cSld>
     <p:bg>
       <p:bgPr>
         <a:solidFill>
-          <a:srgbClr val="808080"/>
+          <a:srgbClr val="FFFFFF"/>
         </a:solidFill>
         <a:effectLst/>
       </p:bgPr>
@@ -4230,6 +4016,223 @@
       </p:grpSpPr>
       <p:sp>
         <p:nvSpPr>
+          <p:cNvPr id="2" name="标题 1"/>
+          <p:cNvSpPr>
+            <a:spLocks noGrp="1"/>
+          </p:cNvSpPr>
+          <p:nvPr>
+            <p:ph type="title"/>
+          </p:nvPr>
+        </p:nvSpPr>
+        <p:spPr/>
+        <p:txBody>
+          <a:bodyPr/>
+          <a:lstStyle/>
+          <a:p>
+            <a:pPr algn="ctr"/>
+            <a:r>
+              <a:rPr lang="en-US" altLang="zh-CN" dirty="0">
+                <a:latin typeface="Times New Roman" panose="02020603050405020304" pitchFamily="18" charset="0"/>
+                <a:ea typeface="黑体" panose="02010609060101010101" pitchFamily="49" charset="-122"/>
+                <a:cs typeface="Times New Roman" panose="02020603050405020304" pitchFamily="18" charset="0"/>
+              </a:rPr>
+              <a:t>MRI</a:t>
+            </a:r>
+            <a:r>
+              <a:rPr lang="zh-CN" altLang="en-US" dirty="0">
+                <a:latin typeface="Times New Roman" panose="02020603050405020304" pitchFamily="18" charset="0"/>
+                <a:ea typeface="黑体" panose="02010609060101010101" pitchFamily="49" charset="-122"/>
+                <a:cs typeface="Times New Roman" panose="02020603050405020304" pitchFamily="18" charset="0"/>
+              </a:rPr>
+              <a:t>注意事项</a:t>
+            </a:r>
+          </a:p>
+        </p:txBody>
+      </p:sp>
+      <p:sp>
+        <p:nvSpPr>
+          <p:cNvPr id="3" name="内容占位符 2"/>
+          <p:cNvSpPr>
+            <a:spLocks noGrp="1"/>
+          </p:cNvSpPr>
+          <p:nvPr>
+            <p:ph idx="1"/>
+          </p:nvPr>
+        </p:nvSpPr>
+        <p:spPr/>
+        <p:txBody>
+          <a:bodyPr>
+            <a:normAutofit lnSpcReduction="10000"/>
+          </a:bodyPr>
+          <a:lstStyle/>
+          <a:p>
+            <a:r>
+              <a:rPr lang="zh-CN" altLang="en-US" dirty="0">
+                <a:latin typeface="Times New Roman" panose="02020603050405020304" pitchFamily="18" charset="0"/>
+                <a:ea typeface="黑体" panose="02010609060101010101" pitchFamily="49" charset="-122"/>
+                <a:cs typeface="Times New Roman" panose="02020603050405020304" pitchFamily="18" charset="0"/>
+              </a:rPr>
+              <a:t>扫描时间比较长，进去后一定调整好姿势，躺舒服。只要没开始扫描，都可以调整，别着急。一旦开始扫描就不能调整了。</a:t>
+            </a:r>
+            <a:endParaRPr lang="en-US" altLang="zh-CN" dirty="0">
+              <a:latin typeface="Times New Roman" panose="02020603050405020304" pitchFamily="18" charset="0"/>
+              <a:ea typeface="黑体" panose="02010609060101010101" pitchFamily="49" charset="-122"/>
+              <a:cs typeface="Times New Roman" panose="02020603050405020304" pitchFamily="18" charset="0"/>
+            </a:endParaRPr>
+          </a:p>
+          <a:p>
+            <a:r>
+              <a:rPr lang="zh-CN" altLang="en-US" dirty="0">
+                <a:latin typeface="Times New Roman" panose="02020603050405020304" pitchFamily="18" charset="0"/>
+                <a:ea typeface="黑体" panose="02010609060101010101" pitchFamily="49" charset="-122"/>
+                <a:cs typeface="Times New Roman" panose="02020603050405020304" pitchFamily="18" charset="0"/>
+              </a:rPr>
+              <a:t>扫描中，一定不能头动。</a:t>
+            </a:r>
+            <a:endParaRPr lang="en-US" altLang="zh-CN" dirty="0">
+              <a:latin typeface="Times New Roman" panose="02020603050405020304" pitchFamily="18" charset="0"/>
+              <a:ea typeface="黑体" panose="02010609060101010101" pitchFamily="49" charset="-122"/>
+              <a:cs typeface="Times New Roman" panose="02020603050405020304" pitchFamily="18" charset="0"/>
+            </a:endParaRPr>
+          </a:p>
+          <a:p>
+            <a:r>
+              <a:rPr lang="zh-CN" altLang="en-US" dirty="0">
+                <a:latin typeface="Times New Roman" panose="02020603050405020304" pitchFamily="18" charset="0"/>
+                <a:ea typeface="黑体" panose="02010609060101010101" pitchFamily="49" charset="-122"/>
+                <a:cs typeface="Times New Roman" panose="02020603050405020304" pitchFamily="18" charset="0"/>
+              </a:rPr>
+              <a:t>扫描中，保持注视中央圆点，不要转动扫视。</a:t>
+            </a:r>
+            <a:endParaRPr lang="en-US" altLang="zh-CN" dirty="0">
+              <a:latin typeface="Times New Roman" panose="02020603050405020304" pitchFamily="18" charset="0"/>
+              <a:ea typeface="黑体" panose="02010609060101010101" pitchFamily="49" charset="-122"/>
+              <a:cs typeface="Times New Roman" panose="02020603050405020304" pitchFamily="18" charset="0"/>
+            </a:endParaRPr>
+          </a:p>
+          <a:p>
+            <a:r>
+              <a:rPr lang="zh-CN" altLang="en-US" dirty="0">
+                <a:latin typeface="Times New Roman" panose="02020603050405020304" pitchFamily="18" charset="0"/>
+                <a:ea typeface="黑体" panose="02010609060101010101" pitchFamily="49" charset="-122"/>
+                <a:cs typeface="Times New Roman" panose="02020603050405020304" pitchFamily="18" charset="0"/>
+              </a:rPr>
+              <a:t>扫描间隙，可以稍微休息，但头和身体也不要大幅运动</a:t>
+            </a:r>
+            <a:r>
+              <a:rPr lang="en-US" altLang="zh-CN" dirty="0">
+                <a:latin typeface="Times New Roman" panose="02020603050405020304" pitchFamily="18" charset="0"/>
+                <a:ea typeface="黑体" panose="02010609060101010101" pitchFamily="49" charset="-122"/>
+                <a:cs typeface="Times New Roman" panose="02020603050405020304" pitchFamily="18" charset="0"/>
+              </a:rPr>
+              <a:t>(&lt;1</a:t>
+            </a:r>
+            <a:r>
+              <a:rPr lang="zh-CN" altLang="en-US" dirty="0">
+                <a:latin typeface="Times New Roman" panose="02020603050405020304" pitchFamily="18" charset="0"/>
+                <a:ea typeface="黑体" panose="02010609060101010101" pitchFamily="49" charset="-122"/>
+                <a:cs typeface="Times New Roman" panose="02020603050405020304" pitchFamily="18" charset="0"/>
+              </a:rPr>
+              <a:t>厘米</a:t>
+            </a:r>
+            <a:r>
+              <a:rPr lang="en-US" altLang="zh-CN" dirty="0">
+                <a:latin typeface="Times New Roman" panose="02020603050405020304" pitchFamily="18" charset="0"/>
+                <a:ea typeface="黑体" panose="02010609060101010101" pitchFamily="49" charset="-122"/>
+                <a:cs typeface="Times New Roman" panose="02020603050405020304" pitchFamily="18" charset="0"/>
+              </a:rPr>
+              <a:t>)</a:t>
+            </a:r>
+            <a:r>
+              <a:rPr lang="zh-CN" altLang="en-US" dirty="0">
+                <a:latin typeface="Times New Roman" panose="02020603050405020304" pitchFamily="18" charset="0"/>
+                <a:ea typeface="黑体" panose="02010609060101010101" pitchFamily="49" charset="-122"/>
+                <a:cs typeface="Times New Roman" panose="02020603050405020304" pitchFamily="18" charset="0"/>
+              </a:rPr>
+              <a:t>。如果状态可以就尽快开始下边实验，休息越长在里边待的时间越长。</a:t>
+            </a:r>
+            <a:endParaRPr lang="en-US" altLang="zh-CN" dirty="0">
+              <a:latin typeface="Times New Roman" panose="02020603050405020304" pitchFamily="18" charset="0"/>
+              <a:ea typeface="黑体" panose="02010609060101010101" pitchFamily="49" charset="-122"/>
+              <a:cs typeface="Times New Roman" panose="02020603050405020304" pitchFamily="18" charset="0"/>
+            </a:endParaRPr>
+          </a:p>
+          <a:p>
+            <a:r>
+              <a:rPr lang="zh-CN" altLang="en-US" dirty="0">
+                <a:latin typeface="Times New Roman" panose="02020603050405020304" pitchFamily="18" charset="0"/>
+                <a:ea typeface="黑体" panose="02010609060101010101" pitchFamily="49" charset="-122"/>
+                <a:cs typeface="Times New Roman" panose="02020603050405020304" pitchFamily="18" charset="0"/>
+              </a:rPr>
+              <a:t>保持嘴巴闭合，口水尽量在扫描间隙吞咽。</a:t>
+            </a:r>
+            <a:endParaRPr lang="en-US" altLang="zh-CN" dirty="0">
+              <a:latin typeface="Times New Roman" panose="02020603050405020304" pitchFamily="18" charset="0"/>
+              <a:ea typeface="黑体" panose="02010609060101010101" pitchFamily="49" charset="-122"/>
+              <a:cs typeface="Times New Roman" panose="02020603050405020304" pitchFamily="18" charset="0"/>
+            </a:endParaRPr>
+          </a:p>
+          <a:p>
+            <a:r>
+              <a:rPr lang="zh-CN" altLang="en-US" dirty="0">
+                <a:latin typeface="Times New Roman" panose="02020603050405020304" pitchFamily="18" charset="0"/>
+                <a:ea typeface="黑体" panose="02010609060101010101" pitchFamily="49" charset="-122"/>
+                <a:cs typeface="Times New Roman" panose="02020603050405020304" pitchFamily="18" charset="0"/>
+              </a:rPr>
+              <a:t>实在无法坚持，可以随时要求退出</a:t>
+            </a:r>
+            <a:r>
+              <a:rPr lang="zh-CN" altLang="en-US" dirty="0">
+                <a:latin typeface="黑体" panose="02010609060101010101" pitchFamily="49" charset="-122"/>
+                <a:ea typeface="黑体" panose="02010609060101010101" pitchFamily="49" charset="-122"/>
+              </a:rPr>
+              <a:t>。</a:t>
+            </a:r>
+            <a:endParaRPr lang="en-US" altLang="zh-CN" dirty="0">
+              <a:latin typeface="黑体" panose="02010609060101010101" pitchFamily="49" charset="-122"/>
+              <a:ea typeface="黑体" panose="02010609060101010101" pitchFamily="49" charset="-122"/>
+            </a:endParaRPr>
+          </a:p>
+          <a:p>
+            <a:endParaRPr lang="zh-CN" altLang="en-US" dirty="0">
+              <a:latin typeface="黑体" panose="02010609060101010101" pitchFamily="49" charset="-122"/>
+              <a:ea typeface="黑体" panose="02010609060101010101" pitchFamily="49" charset="-122"/>
+            </a:endParaRPr>
+          </a:p>
+        </p:txBody>
+      </p:sp>
+    </p:spTree>
+    <p:extLst>
+      <p:ext uri="{BB962C8B-B14F-4D97-AF65-F5344CB8AC3E}">
+        <p14:creationId xmlns:p14="http://schemas.microsoft.com/office/powerpoint/2010/main" val="2554170815"/>
+      </p:ext>
+    </p:extLst>
+  </p:cSld>
+  <p:clrMapOvr>
+    <a:masterClrMapping/>
+  </p:clrMapOvr>
+</p:sld>
+</file>
+
+<file path=ppt/slides/slide3.xml><?xml version="1.0" encoding="utf-8"?>
+<p:sld xmlns:a="http://schemas.openxmlformats.org/drawingml/2006/main" xmlns:r="http://schemas.openxmlformats.org/officeDocument/2006/relationships" xmlns:p="http://schemas.openxmlformats.org/presentationml/2006/main">
+  <p:cSld>
+    <p:spTree>
+      <p:nvGrpSpPr>
+        <p:cNvPr id="1" name=""/>
+        <p:cNvGrpSpPr/>
+        <p:nvPr/>
+      </p:nvGrpSpPr>
+      <p:grpSpPr>
+        <a:xfrm>
+          <a:off x="0" y="0"/>
+          <a:ext cx="0" cy="0"/>
+          <a:chOff x="0" y="0"/>
+          <a:chExt cx="0" cy="0"/>
+        </a:xfrm>
+      </p:grpSpPr>
+      <p:sp>
+        <p:nvSpPr>
           <p:cNvPr id="3" name="副标题 2">
             <a:extLst>
               <a:ext uri="{FF2B5EF4-FFF2-40B4-BE49-F238E27FC236}">
@@ -4270,7 +4273,7 @@
                 <a:ea typeface="黑体" panose="02010609060101010101" pitchFamily="49" charset="-122"/>
                 <a:cs typeface="Times New Roman" panose="02020603050405020304" pitchFamily="18" charset="0"/>
               </a:rPr>
-              <a:t>实验中请时刻注视屏幕中央圆点，并判断视频中动作是否为家务活动，在每个视频消失后尽快按键反应。</a:t>
+              <a:t>实验中请时刻注视屏幕中央圆点，并判断视频中动作是否为体育运动，在每个视频消失后尽快按键反应。</a:t>
             </a:r>
             <a:endParaRPr lang="en-US" altLang="zh-CN" sz="2800" dirty="0">
               <a:solidFill>
@@ -4296,7 +4299,7 @@
                 <a:ea typeface="黑体" panose="02010609060101010101" pitchFamily="49" charset="-122"/>
                 <a:cs typeface="Times New Roman" panose="02020603050405020304" pitchFamily="18" charset="0"/>
               </a:rPr>
-              <a:t>是家务活动按左键，不是家务活动按右键。</a:t>
+              <a:t>是体育运动按左键，不是体育运动按右键。</a:t>
             </a:r>
             <a:endParaRPr lang="en-US" altLang="zh-CN" sz="2800" dirty="0">
               <a:solidFill>
@@ -4350,14 +4353,6 @@
 <file path=ppt/slides/slide4.xml><?xml version="1.0" encoding="utf-8"?>
 <p:sld xmlns:a="http://schemas.openxmlformats.org/drawingml/2006/main" xmlns:r="http://schemas.openxmlformats.org/officeDocument/2006/relationships" xmlns:p="http://schemas.openxmlformats.org/presentationml/2006/main">
   <p:cSld>
-    <p:bg>
-      <p:bgPr>
-        <a:solidFill>
-          <a:srgbClr val="808080"/>
-        </a:solidFill>
-        <a:effectLst/>
-      </p:bgPr>
-    </p:bg>
     <p:spTree>
       <p:nvGrpSpPr>
         <p:cNvPr id="1" name=""/>
@@ -4490,14 +4485,6 @@
 <file path=ppt/slides/slide5.xml><?xml version="1.0" encoding="utf-8"?>
 <p:sld xmlns:a="http://schemas.openxmlformats.org/drawingml/2006/main" xmlns:r="http://schemas.openxmlformats.org/officeDocument/2006/relationships" xmlns:p="http://schemas.openxmlformats.org/presentationml/2006/main">
   <p:cSld>
-    <p:bg>
-      <p:bgPr>
-        <a:solidFill>
-          <a:srgbClr val="808080"/>
-        </a:solidFill>
-        <a:effectLst/>
-      </p:bgPr>
-    </p:bg>
     <p:spTree>
       <p:nvGrpSpPr>
         <p:cNvPr id="1" name=""/>
@@ -4607,14 +4594,6 @@
 <file path=ppt/slides/slide6.xml><?xml version="1.0" encoding="utf-8"?>
 <p:sld xmlns:a="http://schemas.openxmlformats.org/drawingml/2006/main" xmlns:r="http://schemas.openxmlformats.org/officeDocument/2006/relationships" xmlns:p="http://schemas.openxmlformats.org/presentationml/2006/main">
   <p:cSld>
-    <p:bg>
-      <p:bgPr>
-        <a:solidFill>
-          <a:srgbClr val="808080"/>
-        </a:solidFill>
-        <a:effectLst/>
-      </p:bgPr>
-    </p:bg>
     <p:spTree>
       <p:nvGrpSpPr>
         <p:cNvPr id="1" name=""/>
@@ -4680,14 +4659,6 @@
 <file path=ppt/slides/slide7.xml><?xml version="1.0" encoding="utf-8"?>
 <p:sld xmlns:a="http://schemas.openxmlformats.org/drawingml/2006/main" xmlns:r="http://schemas.openxmlformats.org/officeDocument/2006/relationships" xmlns:p="http://schemas.openxmlformats.org/presentationml/2006/main">
   <p:cSld>
-    <p:bg>
-      <p:bgPr>
-        <a:solidFill>
-          <a:srgbClr val="808080"/>
-        </a:solidFill>
-        <a:effectLst/>
-      </p:bgPr>
-    </p:bg>
     <p:spTree>
       <p:nvGrpSpPr>
         <p:cNvPr id="1" name=""/>
@@ -4786,14 +4757,6 @@
 <file path=ppt/slides/slide8.xml><?xml version="1.0" encoding="utf-8"?>
 <p:sld xmlns:a="http://schemas.openxmlformats.org/drawingml/2006/main" xmlns:r="http://schemas.openxmlformats.org/officeDocument/2006/relationships" xmlns:p="http://schemas.openxmlformats.org/presentationml/2006/main">
   <p:cSld>
-    <p:bg>
-      <p:bgPr>
-        <a:solidFill>
-          <a:srgbClr val="FFFFFF"/>
-        </a:solidFill>
-        <a:effectLst/>
-      </p:bgPr>
-    </p:bg>
     <p:spTree>
       <p:nvGrpSpPr>
         <p:cNvPr id="1" name=""/>
@@ -4859,14 +4822,6 @@
 <file path=ppt/slides/slide9.xml><?xml version="1.0" encoding="utf-8"?>
 <p:sld xmlns:a="http://schemas.openxmlformats.org/drawingml/2006/main" xmlns:r="http://schemas.openxmlformats.org/officeDocument/2006/relationships" xmlns:p="http://schemas.openxmlformats.org/presentationml/2006/main">
   <p:cSld>
-    <p:bg>
-      <p:bgPr>
-        <a:solidFill>
-          <a:srgbClr val="808080"/>
-        </a:solidFill>
-        <a:effectLst/>
-      </p:bgPr>
-    </p:bg>
     <p:spTree>
       <p:nvGrpSpPr>
         <p:cNvPr id="1" name=""/>
